--- a/docs/slides/AddItem.pptx
+++ b/docs/slides/AddItem.pptx
@@ -262,7 +262,7 @@
           <a:p>
             <a:fld id="{D0611CAC-3318-4498-9BF9-6151DB04C0E7}" type="datetimeFigureOut">
               <a:rPr lang="en-SG" smtClean="0"/>
-              <a:t>2/4/2020</a:t>
+              <a:t>5/4/2020</a:t>
             </a:fld>
             <a:endParaRPr lang="en-SG"/>
           </a:p>
@@ -462,7 +462,7 @@
           <a:p>
             <a:fld id="{D0611CAC-3318-4498-9BF9-6151DB04C0E7}" type="datetimeFigureOut">
               <a:rPr lang="en-SG" smtClean="0"/>
-              <a:t>2/4/2020</a:t>
+              <a:t>5/4/2020</a:t>
             </a:fld>
             <a:endParaRPr lang="en-SG"/>
           </a:p>
@@ -672,7 +672,7 @@
           <a:p>
             <a:fld id="{D0611CAC-3318-4498-9BF9-6151DB04C0E7}" type="datetimeFigureOut">
               <a:rPr lang="en-SG" smtClean="0"/>
-              <a:t>2/4/2020</a:t>
+              <a:t>5/4/2020</a:t>
             </a:fld>
             <a:endParaRPr lang="en-SG"/>
           </a:p>
@@ -872,7 +872,7 @@
           <a:p>
             <a:fld id="{D0611CAC-3318-4498-9BF9-6151DB04C0E7}" type="datetimeFigureOut">
               <a:rPr lang="en-SG" smtClean="0"/>
-              <a:t>2/4/2020</a:t>
+              <a:t>5/4/2020</a:t>
             </a:fld>
             <a:endParaRPr lang="en-SG"/>
           </a:p>
@@ -1148,7 +1148,7 @@
           <a:p>
             <a:fld id="{D0611CAC-3318-4498-9BF9-6151DB04C0E7}" type="datetimeFigureOut">
               <a:rPr lang="en-SG" smtClean="0"/>
-              <a:t>2/4/2020</a:t>
+              <a:t>5/4/2020</a:t>
             </a:fld>
             <a:endParaRPr lang="en-SG"/>
           </a:p>
@@ -1416,7 +1416,7 @@
           <a:p>
             <a:fld id="{D0611CAC-3318-4498-9BF9-6151DB04C0E7}" type="datetimeFigureOut">
               <a:rPr lang="en-SG" smtClean="0"/>
-              <a:t>2/4/2020</a:t>
+              <a:t>5/4/2020</a:t>
             </a:fld>
             <a:endParaRPr lang="en-SG"/>
           </a:p>
@@ -1831,7 +1831,7 @@
           <a:p>
             <a:fld id="{D0611CAC-3318-4498-9BF9-6151DB04C0E7}" type="datetimeFigureOut">
               <a:rPr lang="en-SG" smtClean="0"/>
-              <a:t>2/4/2020</a:t>
+              <a:t>5/4/2020</a:t>
             </a:fld>
             <a:endParaRPr lang="en-SG"/>
           </a:p>
@@ -1973,7 +1973,7 @@
           <a:p>
             <a:fld id="{D0611CAC-3318-4498-9BF9-6151DB04C0E7}" type="datetimeFigureOut">
               <a:rPr lang="en-SG" smtClean="0"/>
-              <a:t>2/4/2020</a:t>
+              <a:t>5/4/2020</a:t>
             </a:fld>
             <a:endParaRPr lang="en-SG"/>
           </a:p>
@@ -2086,7 +2086,7 @@
           <a:p>
             <a:fld id="{D0611CAC-3318-4498-9BF9-6151DB04C0E7}" type="datetimeFigureOut">
               <a:rPr lang="en-SG" smtClean="0"/>
-              <a:t>2/4/2020</a:t>
+              <a:t>5/4/2020</a:t>
             </a:fld>
             <a:endParaRPr lang="en-SG"/>
           </a:p>
@@ -2399,7 +2399,7 @@
           <a:p>
             <a:fld id="{D0611CAC-3318-4498-9BF9-6151DB04C0E7}" type="datetimeFigureOut">
               <a:rPr lang="en-SG" smtClean="0"/>
-              <a:t>2/4/2020</a:t>
+              <a:t>5/4/2020</a:t>
             </a:fld>
             <a:endParaRPr lang="en-SG"/>
           </a:p>
@@ -2688,7 +2688,7 @@
           <a:p>
             <a:fld id="{D0611CAC-3318-4498-9BF9-6151DB04C0E7}" type="datetimeFigureOut">
               <a:rPr lang="en-SG" smtClean="0"/>
-              <a:t>2/4/2020</a:t>
+              <a:t>5/4/2020</a:t>
             </a:fld>
             <a:endParaRPr lang="en-SG"/>
           </a:p>
@@ -2931,7 +2931,7 @@
           <a:p>
             <a:fld id="{D0611CAC-3318-4498-9BF9-6151DB04C0E7}" type="datetimeFigureOut">
               <a:rPr lang="en-SG" smtClean="0"/>
-              <a:t>2/4/2020</a:t>
+              <a:t>5/4/2020</a:t>
             </a:fld>
             <a:endParaRPr lang="en-SG"/>
           </a:p>
@@ -3602,7 +3602,7 @@
                 <a:ea typeface="+mn-ea"/>
                 <a:cs typeface="+mn-cs"/>
               </a:rPr>
-              <a:t>Add item value</a:t>
+              <a:t>Add item values</a:t>
             </a:r>
           </a:p>
         </p:txBody>
@@ -3621,7 +3621,7 @@
         </p:nvSpPr>
         <p:spPr>
           <a:xfrm rot="10800000" flipH="1">
-            <a:off x="6828415" y="4155755"/>
+            <a:off x="6812086" y="4155755"/>
             <a:ext cx="885621" cy="285313"/>
           </a:xfrm>
           <a:prstGeom prst="snipRoundRect">
@@ -3671,83 +3671,12 @@
         </p:nvGrpSpPr>
         <p:grpSpPr>
           <a:xfrm>
-            <a:off x="2421715" y="1328183"/>
-            <a:ext cx="5173025" cy="3314811"/>
-            <a:chOff x="744763" y="914632"/>
-            <a:chExt cx="5139330" cy="3933812"/>
+            <a:off x="2421715" y="1332753"/>
+            <a:ext cx="5173025" cy="3310241"/>
+            <a:chOff x="744763" y="920055"/>
+            <a:chExt cx="5139330" cy="3928389"/>
           </a:xfrm>
         </p:grpSpPr>
-        <p:sp>
-          <p:nvSpPr>
-            <p:cNvPr id="89" name="Text Box 11">
-              <a:extLst>
-                <a:ext uri="{FF2B5EF4-FFF2-40B4-BE49-F238E27FC236}">
-                  <a16:creationId xmlns:a16="http://schemas.microsoft.com/office/drawing/2014/main" id="{A001CC98-E922-464C-A40C-1C164D8B36C1}"/>
-                </a:ext>
-              </a:extLst>
-            </p:cNvPr>
-            <p:cNvSpPr txBox="1">
-              <a:spLocks noChangeArrowheads="1"/>
-            </p:cNvSpPr>
-            <p:nvPr/>
-          </p:nvSpPr>
-          <p:spPr bwMode="auto">
-            <a:xfrm>
-              <a:off x="2571683" y="914632"/>
-              <a:ext cx="967275" cy="600164"/>
-            </a:xfrm>
-            <a:prstGeom prst="rect">
-              <a:avLst/>
-            </a:prstGeom>
-            <a:solidFill>
-              <a:srgbClr val="CCC1DA"/>
-            </a:solidFill>
-            <a:ln w="19050">
-              <a:solidFill>
-                <a:schemeClr val="tx1"/>
-              </a:solidFill>
-              <a:headEnd/>
-              <a:tailEnd/>
-            </a:ln>
-          </p:spPr>
-          <p:style>
-            <a:lnRef idx="1">
-              <a:schemeClr val="accent4"/>
-            </a:lnRef>
-            <a:fillRef idx="2">
-              <a:schemeClr val="accent4"/>
-            </a:fillRef>
-            <a:effectRef idx="1">
-              <a:schemeClr val="accent4"/>
-            </a:effectRef>
-            <a:fontRef idx="minor">
-              <a:schemeClr val="dk1"/>
-            </a:fontRef>
-          </p:style>
-          <p:txBody>
-            <a:bodyPr wrap="square" tIns="182880" bIns="182880">
-              <a:spAutoFit/>
-            </a:bodyPr>
-            <a:lstStyle/>
-            <a:p>
-              <a:pPr algn="ctr" defTabSz="872733">
-                <a:spcBef>
-                  <a:spcPct val="50000"/>
-                </a:spcBef>
-                <a:buFont typeface="Wingdings" pitchFamily="2" charset="2"/>
-                <a:buNone/>
-              </a:pPr>
-              <a:r>
-                <a:rPr lang="en-US" sz="1500" dirty="0">
-                  <a:solidFill>
-                    <a:prstClr val="black"/>
-                  </a:solidFill>
-                </a:rPr>
-                <a:t>:Parser</a:t>
-              </a:r>
-            </a:p>
-          </p:txBody>
-        </p:sp>
         <p:sp>
           <p:nvSpPr>
             <p:cNvPr id="93" name="Line 15">
@@ -4075,7 +4004,7 @@
           </p:nvSpPr>
           <p:spPr bwMode="auto">
             <a:xfrm>
-              <a:off x="3799306" y="3091248"/>
+              <a:off x="3799306" y="3142923"/>
               <a:ext cx="886908" cy="323165"/>
             </a:xfrm>
             <a:prstGeom prst="rect">
@@ -4283,108 +4212,6 @@
       </p:sp>
       <p:sp>
         <p:nvSpPr>
-          <p:cNvPr id="38" name="Text Box 11">
-            <a:extLst>
-              <a:ext uri="{FF2B5EF4-FFF2-40B4-BE49-F238E27FC236}">
-                <a16:creationId xmlns:a16="http://schemas.microsoft.com/office/drawing/2014/main" id="{043404F8-7B88-4F8D-9CFD-8AC4A4F2E0DC}"/>
-              </a:ext>
-            </a:extLst>
-          </p:cNvPr>
-          <p:cNvSpPr txBox="1">
-            <a:spLocks noChangeArrowheads="1"/>
-          </p:cNvSpPr>
-          <p:nvPr/>
-        </p:nvSpPr>
-        <p:spPr bwMode="auto">
-          <a:xfrm>
-            <a:off x="8729376" y="2666857"/>
-            <a:ext cx="1687391" cy="505726"/>
-          </a:xfrm>
-          <a:prstGeom prst="rect">
-            <a:avLst/>
-          </a:prstGeom>
-          <a:solidFill>
-            <a:srgbClr val="EEECE1">
-              <a:lumMod val="75000"/>
-            </a:srgbClr>
-          </a:solidFill>
-          <a:ln w="19050" cap="flat" cmpd="sng" algn="ctr">
-            <a:solidFill>
-              <a:srgbClr val="EEECE1">
-                <a:lumMod val="50000"/>
-              </a:srgbClr>
-            </a:solidFill>
-            <a:prstDash val="solid"/>
-            <a:headEnd/>
-            <a:tailEnd/>
-          </a:ln>
-          <a:effectLst>
-            <a:outerShdw blurRad="40000" dist="20000" dir="5400000" rotWithShape="0">
-              <a:srgbClr val="000000">
-                <a:alpha val="38000"/>
-              </a:srgbClr>
-            </a:outerShdw>
-          </a:effectLst>
-        </p:spPr>
-        <p:txBody>
-          <a:bodyPr wrap="square" tIns="182880" bIns="182880">
-            <a:spAutoFit/>
-          </a:bodyPr>
-          <a:lstStyle/>
-          <a:p>
-            <a:pPr marL="0" marR="0" lvl="0" indent="0" algn="ctr" defTabSz="872733" eaLnBrk="1" fontAlgn="auto" latinLnBrk="0" hangingPunct="1">
-              <a:lnSpc>
-                <a:spcPct val="100000"/>
-              </a:lnSpc>
-              <a:spcBef>
-                <a:spcPct val="50000"/>
-              </a:spcBef>
-              <a:spcAft>
-                <a:spcPts val="0"/>
-              </a:spcAft>
-              <a:buClrTx/>
-              <a:buSzTx/>
-              <a:buFont typeface="Wingdings" pitchFamily="2" charset="2"/>
-              <a:buNone/>
-              <a:tabLst/>
-              <a:defRPr/>
-            </a:pPr>
-            <a:r>
-              <a:rPr kumimoji="0" lang="en-US" sz="1500" b="0" i="0" u="none" strike="noStrike" kern="0" cap="none" spc="0" normalizeH="0" baseline="0" noProof="0" dirty="0" err="1">
-                <a:ln>
-                  <a:noFill/>
-                </a:ln>
-                <a:solidFill>
-                  <a:prstClr val="black"/>
-                </a:solidFill>
-                <a:effectLst/>
-                <a:uLnTx/>
-                <a:uFillTx/>
-                <a:latin typeface="Calibri"/>
-                <a:ea typeface="+mn-ea"/>
-                <a:cs typeface="+mn-cs"/>
-              </a:rPr>
-              <a:t>items:ShoppingList</a:t>
-            </a:r>
-            <a:endParaRPr kumimoji="0" lang="en-US" sz="1500" b="0" i="0" u="none" strike="noStrike" kern="0" cap="none" spc="0" normalizeH="0" baseline="0" noProof="0" dirty="0">
-              <a:ln>
-                <a:noFill/>
-              </a:ln>
-              <a:solidFill>
-                <a:prstClr val="black"/>
-              </a:solidFill>
-              <a:effectLst/>
-              <a:uLnTx/>
-              <a:uFillTx/>
-              <a:latin typeface="Calibri"/>
-              <a:ea typeface="+mn-ea"/>
-              <a:cs typeface="+mn-cs"/>
-            </a:endParaRPr>
-          </a:p>
-        </p:txBody>
-      </p:sp>
-      <p:sp>
-        <p:nvSpPr>
           <p:cNvPr id="39" name="Line 13">
             <a:extLst>
               <a:ext uri="{FF2B5EF4-FFF2-40B4-BE49-F238E27FC236}">
@@ -4676,93 +4503,6 @@
       </p:sp>
       <p:sp>
         <p:nvSpPr>
-          <p:cNvPr id="49" name="Text Box 11">
-            <a:extLst>
-              <a:ext uri="{FF2B5EF4-FFF2-40B4-BE49-F238E27FC236}">
-                <a16:creationId xmlns:a16="http://schemas.microsoft.com/office/drawing/2014/main" id="{E5413838-EC09-4617-AE41-23786EDEEF66}"/>
-              </a:ext>
-            </a:extLst>
-          </p:cNvPr>
-          <p:cNvSpPr txBox="1">
-            <a:spLocks noChangeArrowheads="1"/>
-          </p:cNvSpPr>
-          <p:nvPr/>
-        </p:nvSpPr>
-        <p:spPr bwMode="auto">
-          <a:xfrm>
-            <a:off x="1754885" y="633547"/>
-            <a:ext cx="1303893" cy="505726"/>
-          </a:xfrm>
-          <a:prstGeom prst="rect">
-            <a:avLst/>
-          </a:prstGeom>
-          <a:solidFill>
-            <a:srgbClr val="E6B9B8"/>
-          </a:solidFill>
-          <a:ln w="19050" cap="flat" cmpd="sng" algn="ctr">
-            <a:solidFill>
-              <a:srgbClr val="C0504D">
-                <a:lumMod val="60000"/>
-                <a:lumOff val="40000"/>
-              </a:srgbClr>
-            </a:solidFill>
-            <a:prstDash val="solid"/>
-            <a:headEnd/>
-            <a:tailEnd/>
-          </a:ln>
-          <a:effectLst>
-            <a:outerShdw blurRad="40000" dist="20000" dir="5400000" rotWithShape="0">
-              <a:srgbClr val="000000">
-                <a:alpha val="38000"/>
-              </a:srgbClr>
-            </a:outerShdw>
-          </a:effectLst>
-        </p:spPr>
-        <p:txBody>
-          <a:bodyPr tIns="182880" bIns="182880">
-            <a:spAutoFit/>
-          </a:bodyPr>
-          <a:lstStyle/>
-          <a:p>
-            <a:pPr marL="0" marR="0" lvl="0" indent="0" algn="ctr" defTabSz="872733" eaLnBrk="1" fontAlgn="auto" latinLnBrk="0" hangingPunct="1">
-              <a:lnSpc>
-                <a:spcPct val="100000"/>
-              </a:lnSpc>
-              <a:spcBef>
-                <a:spcPct val="50000"/>
-              </a:spcBef>
-              <a:spcAft>
-                <a:spcPts val="0"/>
-              </a:spcAft>
-              <a:buClrTx/>
-              <a:buSzTx/>
-              <a:buFont typeface="Wingdings" pitchFamily="2" charset="2"/>
-              <a:buNone/>
-              <a:tabLst/>
-              <a:defRPr/>
-            </a:pPr>
-            <a:r>
-              <a:rPr kumimoji="0" lang="en-US" sz="1500" b="0" i="0" u="none" strike="noStrike" kern="0" cap="none" spc="0" normalizeH="0" baseline="0" noProof="0" dirty="0">
-                <a:ln>
-                  <a:noFill/>
-                </a:ln>
-                <a:solidFill>
-                  <a:prstClr val="black"/>
-                </a:solidFill>
-                <a:effectLst/>
-                <a:uLnTx/>
-                <a:uFillTx/>
-                <a:latin typeface="Calibri"/>
-                <a:ea typeface="+mn-ea"/>
-                <a:cs typeface="+mn-cs"/>
-              </a:rPr>
-              <a:t>:Duke</a:t>
-            </a:r>
-          </a:p>
-        </p:txBody>
-      </p:sp>
-      <p:sp>
-        <p:nvSpPr>
           <p:cNvPr id="50" name="Line 15">
             <a:extLst>
               <a:ext uri="{FF2B5EF4-FFF2-40B4-BE49-F238E27FC236}">
@@ -4984,7 +4724,7 @@
         </p:nvSpPr>
         <p:spPr bwMode="auto">
           <a:xfrm flipH="1">
-            <a:off x="7288779" y="3941837"/>
+            <a:off x="7288779" y="3974495"/>
             <a:ext cx="2206282" cy="3807"/>
           </a:xfrm>
           <a:prstGeom prst="line">
@@ -5172,6 +4912,269 @@
           <a:effectLst/>
         </p:spPr>
       </p:cxnSp>
+      <p:sp>
+        <p:nvSpPr>
+          <p:cNvPr id="31" name="Google Shape;62;p14">
+            <a:extLst>
+              <a:ext uri="{FF2B5EF4-FFF2-40B4-BE49-F238E27FC236}">
+                <a16:creationId xmlns:a16="http://schemas.microsoft.com/office/drawing/2014/main" id="{673366A1-F99F-403B-B411-124F84365C2A}"/>
+              </a:ext>
+            </a:extLst>
+          </p:cNvPr>
+          <p:cNvSpPr/>
+          <p:nvPr/>
+        </p:nvSpPr>
+        <p:spPr>
+          <a:xfrm>
+            <a:off x="8499309" y="2671899"/>
+            <a:ext cx="2215295" cy="596100"/>
+          </a:xfrm>
+          <a:prstGeom prst="rect">
+            <a:avLst/>
+          </a:prstGeom>
+          <a:gradFill flip="none" rotWithShape="1">
+            <a:gsLst>
+              <a:gs pos="0">
+                <a:srgbClr val="C4B597">
+                  <a:tint val="66000"/>
+                  <a:satMod val="160000"/>
+                </a:srgbClr>
+              </a:gs>
+              <a:gs pos="50000">
+                <a:srgbClr val="C4B597">
+                  <a:tint val="44500"/>
+                  <a:satMod val="160000"/>
+                </a:srgbClr>
+              </a:gs>
+              <a:gs pos="100000">
+                <a:srgbClr val="C4B597">
+                  <a:tint val="23500"/>
+                  <a:satMod val="160000"/>
+                </a:srgbClr>
+              </a:gs>
+            </a:gsLst>
+            <a:lin ang="16200000" scaled="1"/>
+            <a:tileRect/>
+          </a:gradFill>
+          <a:ln w="19050" cap="flat" cmpd="sng">
+            <a:solidFill>
+              <a:srgbClr val="AB966D"/>
+            </a:solidFill>
+            <a:prstDash val="solid"/>
+            <a:round/>
+            <a:headEnd type="none" w="sm" len="sm"/>
+            <a:tailEnd type="none" w="sm" len="sm"/>
+          </a:ln>
+          <a:effectLst>
+            <a:outerShdw blurRad="40000" dist="20000" dir="5400000" rotWithShape="0">
+              <a:srgbClr val="000000">
+                <a:alpha val="37650"/>
+              </a:srgbClr>
+            </a:outerShdw>
+          </a:effectLst>
+        </p:spPr>
+        <p:txBody>
+          <a:bodyPr spcFirstLastPara="1" wrap="square" lIns="91425" tIns="45700" rIns="91425" bIns="45700" anchor="ctr" anchorCtr="0">
+            <a:noAutofit/>
+          </a:bodyPr>
+          <a:lstStyle/>
+          <a:p>
+            <a:pPr algn="ctr"/>
+            <a:endParaRPr lang="en-US" sz="1400" kern="0" dirty="0">
+              <a:solidFill>
+                <a:prstClr val="black"/>
+              </a:solidFill>
+            </a:endParaRPr>
+          </a:p>
+          <a:p>
+            <a:pPr algn="ctr"/>
+            <a:r>
+              <a:rPr lang="en-US" sz="1400" kern="0" dirty="0" err="1">
+                <a:solidFill>
+                  <a:prstClr val="black"/>
+                </a:solidFill>
+              </a:rPr>
+              <a:t>items:ShoppingList</a:t>
+            </a:r>
+            <a:endParaRPr lang="en-US" sz="1400" kern="0" dirty="0">
+              <a:solidFill>
+                <a:prstClr val="black"/>
+              </a:solidFill>
+            </a:endParaRPr>
+          </a:p>
+          <a:p>
+            <a:pPr marL="0" marR="0" lvl="0" indent="0" algn="ctr" rtl="0">
+              <a:spcBef>
+                <a:spcPts val="0"/>
+              </a:spcBef>
+              <a:spcAft>
+                <a:spcPts val="0"/>
+              </a:spcAft>
+              <a:buNone/>
+            </a:pPr>
+            <a:endParaRPr sz="1300" dirty="0"/>
+          </a:p>
+        </p:txBody>
+      </p:sp>
+      <p:sp>
+        <p:nvSpPr>
+          <p:cNvPr id="32" name="Google Shape;59;p14">
+            <a:extLst>
+              <a:ext uri="{FF2B5EF4-FFF2-40B4-BE49-F238E27FC236}">
+                <a16:creationId xmlns:a16="http://schemas.microsoft.com/office/drawing/2014/main" id="{F628C6C5-8F73-4FF3-B944-85E983345BF7}"/>
+              </a:ext>
+            </a:extLst>
+          </p:cNvPr>
+          <p:cNvSpPr/>
+          <p:nvPr/>
+        </p:nvSpPr>
+        <p:spPr>
+          <a:xfrm>
+            <a:off x="4280044" y="1334377"/>
+            <a:ext cx="1013561" cy="503097"/>
+          </a:xfrm>
+          <a:prstGeom prst="rect">
+            <a:avLst/>
+          </a:prstGeom>
+          <a:gradFill flip="none" rotWithShape="1">
+            <a:gsLst>
+              <a:gs pos="0">
+                <a:srgbClr val="990099">
+                  <a:tint val="66000"/>
+                  <a:satMod val="160000"/>
+                </a:srgbClr>
+              </a:gs>
+              <a:gs pos="50000">
+                <a:srgbClr val="990099">
+                  <a:tint val="44500"/>
+                  <a:satMod val="160000"/>
+                </a:srgbClr>
+              </a:gs>
+              <a:gs pos="100000">
+                <a:srgbClr val="990099">
+                  <a:tint val="23500"/>
+                  <a:satMod val="160000"/>
+                </a:srgbClr>
+              </a:gs>
+            </a:gsLst>
+            <a:lin ang="16200000" scaled="1"/>
+            <a:tileRect/>
+          </a:gradFill>
+          <a:ln w="19050" cap="flat" cmpd="sng">
+            <a:solidFill>
+              <a:srgbClr val="CF92CF"/>
+            </a:solidFill>
+            <a:prstDash val="solid"/>
+            <a:round/>
+            <a:headEnd type="none" w="sm" len="sm"/>
+            <a:tailEnd type="none" w="sm" len="sm"/>
+          </a:ln>
+          <a:effectLst>
+            <a:outerShdw blurRad="40000" dist="20000" dir="5400000" rotWithShape="0">
+              <a:srgbClr val="000000">
+                <a:alpha val="37650"/>
+              </a:srgbClr>
+            </a:outerShdw>
+          </a:effectLst>
+        </p:spPr>
+        <p:txBody>
+          <a:bodyPr spcFirstLastPara="1" wrap="square" lIns="91425" tIns="45700" rIns="91425" bIns="45700" anchor="ctr" anchorCtr="0">
+            <a:noAutofit/>
+          </a:bodyPr>
+          <a:lstStyle/>
+          <a:p>
+            <a:pPr algn="ctr"/>
+            <a:r>
+              <a:rPr lang="en" sz="1300" dirty="0">
+                <a:latin typeface="Calibri"/>
+                <a:ea typeface="Calibri"/>
+                <a:cs typeface="Calibri"/>
+                <a:sym typeface="Calibri"/>
+              </a:rPr>
+              <a:t>:Parser</a:t>
+            </a:r>
+            <a:endParaRPr sz="1300" dirty="0"/>
+          </a:p>
+        </p:txBody>
+      </p:sp>
+      <p:sp>
+        <p:nvSpPr>
+          <p:cNvPr id="33" name="Google Shape;58;p14">
+            <a:extLst>
+              <a:ext uri="{FF2B5EF4-FFF2-40B4-BE49-F238E27FC236}">
+                <a16:creationId xmlns:a16="http://schemas.microsoft.com/office/drawing/2014/main" id="{5CD26A87-5566-40AD-8408-EA1000CDB3A3}"/>
+              </a:ext>
+            </a:extLst>
+          </p:cNvPr>
+          <p:cNvSpPr/>
+          <p:nvPr/>
+        </p:nvSpPr>
+        <p:spPr>
+          <a:xfrm>
+            <a:off x="1460904" y="658041"/>
+            <a:ext cx="1891855" cy="515606"/>
+          </a:xfrm>
+          <a:prstGeom prst="rect">
+            <a:avLst/>
+          </a:prstGeom>
+          <a:gradFill flip="none" rotWithShape="1">
+            <a:gsLst>
+              <a:gs pos="0">
+                <a:srgbClr val="FF9999"/>
+              </a:gs>
+              <a:gs pos="50000">
+                <a:srgbClr val="FF7C80">
+                  <a:tint val="44500"/>
+                  <a:satMod val="160000"/>
+                </a:srgbClr>
+              </a:gs>
+              <a:gs pos="100000">
+                <a:srgbClr val="FF7C80">
+                  <a:tint val="23500"/>
+                  <a:satMod val="160000"/>
+                </a:srgbClr>
+              </a:gs>
+            </a:gsLst>
+            <a:lin ang="16200000" scaled="1"/>
+            <a:tileRect/>
+          </a:gradFill>
+          <a:ln w="19050" cap="flat" cmpd="sng">
+            <a:solidFill>
+              <a:srgbClr val="FF9999"/>
+            </a:solidFill>
+            <a:prstDash val="solid"/>
+            <a:round/>
+            <a:headEnd type="none" w="sm" len="sm"/>
+            <a:tailEnd type="none" w="sm" len="sm"/>
+          </a:ln>
+          <a:effectLst>
+            <a:outerShdw blurRad="40000" dist="20000" dir="5400000" rotWithShape="0">
+              <a:srgbClr val="000000">
+                <a:alpha val="37650"/>
+              </a:srgbClr>
+            </a:outerShdw>
+          </a:effectLst>
+        </p:spPr>
+        <p:txBody>
+          <a:bodyPr spcFirstLastPara="1" wrap="square" lIns="91425" tIns="45700" rIns="91425" bIns="45700" anchor="ctr" anchorCtr="0">
+            <a:noAutofit/>
+          </a:bodyPr>
+          <a:lstStyle/>
+          <a:p>
+            <a:pPr algn="ctr"/>
+            <a:r>
+              <a:rPr lang="en-SG" sz="1300" dirty="0">
+                <a:latin typeface="Calibri"/>
+                <a:ea typeface="Calibri"/>
+                <a:cs typeface="Calibri"/>
+                <a:sym typeface="Calibri"/>
+              </a:rPr>
+              <a:t>:Duke</a:t>
+            </a:r>
+            <a:endParaRPr sz="1300" dirty="0"/>
+          </a:p>
+        </p:txBody>
+      </p:sp>
     </p:spTree>
     <p:extLst>
       <p:ext uri="{BB962C8B-B14F-4D97-AF65-F5344CB8AC3E}">
@@ -6601,7 +6604,7 @@
             <p:spPr>
               <a:xfrm>
                 <a:off x="5038910" y="4283115"/>
-                <a:ext cx="2106917" cy="89809"/>
+                <a:ext cx="2106917" cy="72174"/>
               </a:xfrm>
               <a:prstGeom prst="rect">
                 <a:avLst/>
@@ -6632,7 +6635,7 @@
                   <a:defRPr/>
                 </a:pPr>
                 <a:r>
-                  <a:rPr kumimoji="0" lang="en-SG" sz="1800" b="0" i="0" u="none" strike="noStrike" kern="0" cap="none" spc="0" normalizeH="0" baseline="0" noProof="0" dirty="0" err="1">
+                  <a:rPr kumimoji="0" lang="en-SG" sz="1800" b="1" i="0" u="none" strike="noStrike" kern="0" cap="none" spc="0" normalizeH="0" baseline="0" noProof="0" dirty="0" err="1">
                     <a:ln>
                       <a:noFill/>
                     </a:ln>
@@ -6657,7 +6660,7 @@
                     <a:uLnTx/>
                     <a:uFillTx/>
                   </a:rPr>
-                  <a:t> add item values</a:t>
+                  <a:t> Add item values</a:t>
                 </a:r>
               </a:p>
               <a:p>
@@ -7521,108 +7524,6 @@
         </p:sp>
         <p:sp>
           <p:nvSpPr>
-            <p:cNvPr id="49" name="Text Box 11">
-              <a:extLst>
-                <a:ext uri="{FF2B5EF4-FFF2-40B4-BE49-F238E27FC236}">
-                  <a16:creationId xmlns:a16="http://schemas.microsoft.com/office/drawing/2014/main" id="{457F540A-6D1C-492B-A927-7ECF6B12D3D7}"/>
-                </a:ext>
-              </a:extLst>
-            </p:cNvPr>
-            <p:cNvSpPr txBox="1">
-              <a:spLocks noChangeArrowheads="1"/>
-            </p:cNvSpPr>
-            <p:nvPr/>
-          </p:nvSpPr>
-          <p:spPr bwMode="auto">
-            <a:xfrm>
-              <a:off x="5310164" y="964689"/>
-              <a:ext cx="1938309" cy="745386"/>
-            </a:xfrm>
-            <a:prstGeom prst="rect">
-              <a:avLst/>
-            </a:prstGeom>
-            <a:solidFill>
-              <a:srgbClr val="EEECE1">
-                <a:lumMod val="75000"/>
-              </a:srgbClr>
-            </a:solidFill>
-            <a:ln w="19050" cap="flat" cmpd="sng" algn="ctr">
-              <a:solidFill>
-                <a:srgbClr val="EEECE1">
-                  <a:lumMod val="50000"/>
-                </a:srgbClr>
-              </a:solidFill>
-              <a:prstDash val="solid"/>
-              <a:headEnd/>
-              <a:tailEnd/>
-            </a:ln>
-            <a:effectLst>
-              <a:outerShdw blurRad="40000" dist="20000" dir="5400000" rotWithShape="0">
-                <a:srgbClr val="000000">
-                  <a:alpha val="38000"/>
-                </a:srgbClr>
-              </a:outerShdw>
-            </a:effectLst>
-          </p:spPr>
-          <p:txBody>
-            <a:bodyPr wrap="square" tIns="182880" bIns="182880">
-              <a:spAutoFit/>
-            </a:bodyPr>
-            <a:lstStyle/>
-            <a:p>
-              <a:pPr marL="0" marR="0" lvl="0" indent="0" algn="ctr" defTabSz="872733" eaLnBrk="1" fontAlgn="auto" latinLnBrk="0" hangingPunct="1">
-                <a:lnSpc>
-                  <a:spcPct val="100000"/>
-                </a:lnSpc>
-                <a:spcBef>
-                  <a:spcPct val="50000"/>
-                </a:spcBef>
-                <a:spcAft>
-                  <a:spcPts val="0"/>
-                </a:spcAft>
-                <a:buClrTx/>
-                <a:buSzTx/>
-                <a:buFont typeface="Wingdings" pitchFamily="2" charset="2"/>
-                <a:buNone/>
-                <a:tabLst/>
-                <a:defRPr/>
-              </a:pPr>
-              <a:r>
-                <a:rPr kumimoji="0" lang="en-US" sz="1500" b="0" i="0" u="none" strike="noStrike" kern="0" cap="none" spc="0" normalizeH="0" baseline="0" noProof="0" dirty="0" err="1">
-                  <a:ln>
-                    <a:noFill/>
-                  </a:ln>
-                  <a:solidFill>
-                    <a:prstClr val="black"/>
-                  </a:solidFill>
-                  <a:effectLst/>
-                  <a:uLnTx/>
-                  <a:uFillTx/>
-                  <a:latin typeface="Calibri"/>
-                  <a:ea typeface="+mn-ea"/>
-                  <a:cs typeface="+mn-cs"/>
-                </a:rPr>
-                <a:t>items:ShoppingList</a:t>
-              </a:r>
-              <a:endParaRPr kumimoji="0" lang="en-US" sz="1500" b="0" i="0" u="none" strike="noStrike" kern="0" cap="none" spc="0" normalizeH="0" baseline="0" noProof="0" dirty="0">
-                <a:ln>
-                  <a:noFill/>
-                </a:ln>
-                <a:solidFill>
-                  <a:prstClr val="black"/>
-                </a:solidFill>
-                <a:effectLst/>
-                <a:uLnTx/>
-                <a:uFillTx/>
-                <a:latin typeface="Calibri"/>
-                <a:ea typeface="+mn-ea"/>
-                <a:cs typeface="+mn-cs"/>
-              </a:endParaRPr>
-            </a:p>
-          </p:txBody>
-        </p:sp>
-        <p:sp>
-          <p:nvSpPr>
             <p:cNvPr id="52" name="Line 13">
               <a:extLst>
                 <a:ext uri="{FF2B5EF4-FFF2-40B4-BE49-F238E27FC236}">
@@ -7716,8 +7617,8 @@
           </p:nvSpPr>
           <p:spPr bwMode="auto">
             <a:xfrm>
-              <a:off x="2370662" y="933135"/>
-              <a:ext cx="1596653" cy="745386"/>
+              <a:off x="2366393" y="1118627"/>
+              <a:ext cx="1616310" cy="601005"/>
             </a:xfrm>
             <a:prstGeom prst="rect">
               <a:avLst/>
@@ -10166,6 +10067,110 @@
           </a:p>
         </p:txBody>
       </p:sp>
+      <p:sp>
+        <p:nvSpPr>
+          <p:cNvPr id="42" name="Google Shape;62;p14">
+            <a:extLst>
+              <a:ext uri="{FF2B5EF4-FFF2-40B4-BE49-F238E27FC236}">
+                <a16:creationId xmlns:a16="http://schemas.microsoft.com/office/drawing/2014/main" id="{7023425E-E4C6-48EF-9B18-1F2A9C849AA0}"/>
+              </a:ext>
+            </a:extLst>
+          </p:cNvPr>
+          <p:cNvSpPr/>
+          <p:nvPr/>
+        </p:nvSpPr>
+        <p:spPr>
+          <a:xfrm>
+            <a:off x="6425153" y="969967"/>
+            <a:ext cx="2215295" cy="596100"/>
+          </a:xfrm>
+          <a:prstGeom prst="rect">
+            <a:avLst/>
+          </a:prstGeom>
+          <a:gradFill flip="none" rotWithShape="1">
+            <a:gsLst>
+              <a:gs pos="0">
+                <a:srgbClr val="C4B597">
+                  <a:tint val="66000"/>
+                  <a:satMod val="160000"/>
+                </a:srgbClr>
+              </a:gs>
+              <a:gs pos="50000">
+                <a:srgbClr val="C4B597">
+                  <a:tint val="44500"/>
+                  <a:satMod val="160000"/>
+                </a:srgbClr>
+              </a:gs>
+              <a:gs pos="100000">
+                <a:srgbClr val="C4B597">
+                  <a:tint val="23500"/>
+                  <a:satMod val="160000"/>
+                </a:srgbClr>
+              </a:gs>
+            </a:gsLst>
+            <a:lin ang="16200000" scaled="1"/>
+            <a:tileRect/>
+          </a:gradFill>
+          <a:ln w="19050" cap="flat" cmpd="sng">
+            <a:solidFill>
+              <a:srgbClr val="AB966D"/>
+            </a:solidFill>
+            <a:prstDash val="solid"/>
+            <a:round/>
+            <a:headEnd type="none" w="sm" len="sm"/>
+            <a:tailEnd type="none" w="sm" len="sm"/>
+          </a:ln>
+          <a:effectLst>
+            <a:outerShdw blurRad="40000" dist="20000" dir="5400000" rotWithShape="0">
+              <a:srgbClr val="000000">
+                <a:alpha val="37650"/>
+              </a:srgbClr>
+            </a:outerShdw>
+          </a:effectLst>
+        </p:spPr>
+        <p:txBody>
+          <a:bodyPr spcFirstLastPara="1" wrap="square" lIns="91425" tIns="45700" rIns="91425" bIns="45700" anchor="ctr" anchorCtr="0">
+            <a:noAutofit/>
+          </a:bodyPr>
+          <a:lstStyle/>
+          <a:p>
+            <a:pPr algn="ctr"/>
+            <a:endParaRPr lang="en-US" sz="1400" kern="0" dirty="0">
+              <a:solidFill>
+                <a:prstClr val="black"/>
+              </a:solidFill>
+            </a:endParaRPr>
+          </a:p>
+          <a:p>
+            <a:pPr algn="ctr"/>
+            <a:r>
+              <a:rPr lang="en-US" sz="1400" kern="0" dirty="0" err="1">
+                <a:solidFill>
+                  <a:prstClr val="black"/>
+                </a:solidFill>
+              </a:rPr>
+              <a:t>items:ShoppingList</a:t>
+            </a:r>
+            <a:endParaRPr lang="en-US" sz="1400" kern="0" dirty="0">
+              <a:solidFill>
+                <a:prstClr val="black"/>
+              </a:solidFill>
+            </a:endParaRPr>
+          </a:p>
+          <a:p>
+            <a:pPr marL="0" marR="0" lvl="0" indent="0" algn="ctr" rtl="0">
+              <a:spcBef>
+                <a:spcPts val="0"/>
+              </a:spcBef>
+              <a:spcAft>
+                <a:spcPts val="0"/>
+              </a:spcAft>
+              <a:buNone/>
+            </a:pPr>
+            <a:endParaRPr sz="1300" dirty="0"/>
+          </a:p>
+        </p:txBody>
+      </p:sp>
     </p:spTree>
     <p:extLst>
       <p:ext uri="{BB962C8B-B14F-4D97-AF65-F5344CB8AC3E}">

--- a/docs/slides/AddItem.pptx
+++ b/docs/slides/AddItem.pptx
@@ -262,7 +262,7 @@
           <a:p>
             <a:fld id="{D0611CAC-3318-4498-9BF9-6151DB04C0E7}" type="datetimeFigureOut">
               <a:rPr lang="en-SG" smtClean="0"/>
-              <a:t>5/4/2020</a:t>
+              <a:t>9/4/2020</a:t>
             </a:fld>
             <a:endParaRPr lang="en-SG"/>
           </a:p>
@@ -462,7 +462,7 @@
           <a:p>
             <a:fld id="{D0611CAC-3318-4498-9BF9-6151DB04C0E7}" type="datetimeFigureOut">
               <a:rPr lang="en-SG" smtClean="0"/>
-              <a:t>5/4/2020</a:t>
+              <a:t>9/4/2020</a:t>
             </a:fld>
             <a:endParaRPr lang="en-SG"/>
           </a:p>
@@ -672,7 +672,7 @@
           <a:p>
             <a:fld id="{D0611CAC-3318-4498-9BF9-6151DB04C0E7}" type="datetimeFigureOut">
               <a:rPr lang="en-SG" smtClean="0"/>
-              <a:t>5/4/2020</a:t>
+              <a:t>9/4/2020</a:t>
             </a:fld>
             <a:endParaRPr lang="en-SG"/>
           </a:p>
@@ -872,7 +872,7 @@
           <a:p>
             <a:fld id="{D0611CAC-3318-4498-9BF9-6151DB04C0E7}" type="datetimeFigureOut">
               <a:rPr lang="en-SG" smtClean="0"/>
-              <a:t>5/4/2020</a:t>
+              <a:t>9/4/2020</a:t>
             </a:fld>
             <a:endParaRPr lang="en-SG"/>
           </a:p>
@@ -1148,7 +1148,7 @@
           <a:p>
             <a:fld id="{D0611CAC-3318-4498-9BF9-6151DB04C0E7}" type="datetimeFigureOut">
               <a:rPr lang="en-SG" smtClean="0"/>
-              <a:t>5/4/2020</a:t>
+              <a:t>9/4/2020</a:t>
             </a:fld>
             <a:endParaRPr lang="en-SG"/>
           </a:p>
@@ -1416,7 +1416,7 @@
           <a:p>
             <a:fld id="{D0611CAC-3318-4498-9BF9-6151DB04C0E7}" type="datetimeFigureOut">
               <a:rPr lang="en-SG" smtClean="0"/>
-              <a:t>5/4/2020</a:t>
+              <a:t>9/4/2020</a:t>
             </a:fld>
             <a:endParaRPr lang="en-SG"/>
           </a:p>
@@ -1831,7 +1831,7 @@
           <a:p>
             <a:fld id="{D0611CAC-3318-4498-9BF9-6151DB04C0E7}" type="datetimeFigureOut">
               <a:rPr lang="en-SG" smtClean="0"/>
-              <a:t>5/4/2020</a:t>
+              <a:t>9/4/2020</a:t>
             </a:fld>
             <a:endParaRPr lang="en-SG"/>
           </a:p>
@@ -1973,7 +1973,7 @@
           <a:p>
             <a:fld id="{D0611CAC-3318-4498-9BF9-6151DB04C0E7}" type="datetimeFigureOut">
               <a:rPr lang="en-SG" smtClean="0"/>
-              <a:t>5/4/2020</a:t>
+              <a:t>9/4/2020</a:t>
             </a:fld>
             <a:endParaRPr lang="en-SG"/>
           </a:p>
@@ -2086,7 +2086,7 @@
           <a:p>
             <a:fld id="{D0611CAC-3318-4498-9BF9-6151DB04C0E7}" type="datetimeFigureOut">
               <a:rPr lang="en-SG" smtClean="0"/>
-              <a:t>5/4/2020</a:t>
+              <a:t>9/4/2020</a:t>
             </a:fld>
             <a:endParaRPr lang="en-SG"/>
           </a:p>
@@ -2399,7 +2399,7 @@
           <a:p>
             <a:fld id="{D0611CAC-3318-4498-9BF9-6151DB04C0E7}" type="datetimeFigureOut">
               <a:rPr lang="en-SG" smtClean="0"/>
-              <a:t>5/4/2020</a:t>
+              <a:t>9/4/2020</a:t>
             </a:fld>
             <a:endParaRPr lang="en-SG"/>
           </a:p>
@@ -2688,7 +2688,7 @@
           <a:p>
             <a:fld id="{D0611CAC-3318-4498-9BF9-6151DB04C0E7}" type="datetimeFigureOut">
               <a:rPr lang="en-SG" smtClean="0"/>
-              <a:t>5/4/2020</a:t>
+              <a:t>9/4/2020</a:t>
             </a:fld>
             <a:endParaRPr lang="en-SG"/>
           </a:p>
@@ -2931,7 +2931,7 @@
           <a:p>
             <a:fld id="{D0611CAC-3318-4498-9BF9-6151DB04C0E7}" type="datetimeFigureOut">
               <a:rPr lang="en-SG" smtClean="0"/>
-              <a:t>5/4/2020</a:t>
+              <a:t>9/4/2020</a:t>
             </a:fld>
             <a:endParaRPr lang="en-SG"/>
           </a:p>
@@ -6649,6 +6649,20 @@
                   <a:t>sd</a:t>
                 </a:r>
                 <a:r>
+                  <a:rPr kumimoji="0" lang="en-SG" sz="1800" b="0" i="0" u="none" strike="noStrike" kern="0" cap="none" spc="0" normalizeH="0" baseline="0" noProof="0">
+                    <a:ln>
+                      <a:noFill/>
+                    </a:ln>
+                    <a:solidFill>
+                      <a:prstClr val="black"/>
+                    </a:solidFill>
+                    <a:effectLst/>
+                    <a:uLnTx/>
+                    <a:uFillTx/>
+                  </a:rPr>
+                  <a:t> add </a:t>
+                </a:r>
+                <a:r>
                   <a:rPr kumimoji="0" lang="en-SG" sz="1800" b="0" i="0" u="none" strike="noStrike" kern="0" cap="none" spc="0" normalizeH="0" baseline="0" noProof="0" dirty="0">
                     <a:ln>
                       <a:noFill/>
@@ -6660,7 +6674,7 @@
                     <a:uLnTx/>
                     <a:uFillTx/>
                   </a:rPr>
-                  <a:t> Add item values</a:t>
+                  <a:t>item values</a:t>
                 </a:r>
               </a:p>
               <a:p>
